--- a/uts/Penguasaan Kualitas Perangkat Lunak Python dan Whitebox Testing, Unit Testing, dan CI CD.pptx
+++ b/uts/Penguasaan Kualitas Perangkat Lunak Python dan Whitebox Testing, Unit Testing, dan CI CD.pptx
@@ -21,6 +21,7 @@
     <p:sldId id="269" r:id="rId32"/>
     <p:sldId id="270" r:id="rId33"/>
     <p:sldId id="271" r:id="rId34"/>
+    <p:sldId id="272" r:id="rId35"/>
   </p:sldIdLst>
   <p:sldSz cx="18288000" cy="10287000"/>
   <p:notesSz cx="6858000" cy="9144000"/>
@@ -4478,6 +4479,130 @@
                 <a:latin typeface="Open Sans"/>
               </a:rPr>
               <a:t>Selesai</a:t>
+            </a:r>
+          </a:p>
+        </p:txBody>
+      </p:sp>
+    </p:spTree>
+  </p:cSld>
+  <p:clrMapOvr>
+    <a:masterClrMapping/>
+  </p:clrMapOvr>
+</p:sld>
+</file>
+
+<file path=ppt/slides/slide17.xml><?xml version="1.0" encoding="utf-8"?>
+<p:sld xmlns:p="http://schemas.openxmlformats.org/presentationml/2006/main" xmlns:a="http://schemas.openxmlformats.org/drawingml/2006/main">
+  <p:cSld>
+    <p:spTree>
+      <p:nvGrpSpPr>
+        <p:cNvPr id="1" name=""/>
+        <p:cNvGrpSpPr/>
+        <p:nvPr/>
+      </p:nvGrpSpPr>
+      <p:grpSpPr>
+        <a:xfrm>
+          <a:off x="0" y="0"/>
+          <a:ext cx="0" cy="0"/>
+          <a:chOff x="0" y="0"/>
+          <a:chExt cx="0" cy="0"/>
+        </a:xfrm>
+      </p:grpSpPr>
+      <p:sp>
+        <p:nvSpPr>
+          <p:cNvPr name="TextBox 2" id="2"/>
+          <p:cNvSpPr txBox="true"/>
+          <p:nvPr/>
+        </p:nvSpPr>
+        <p:spPr>
+          <a:xfrm rot="0">
+            <a:off x="735636" y="423850"/>
+            <a:ext cx="3313906" cy="887021"/>
+          </a:xfrm>
+          <a:prstGeom prst="rect">
+            <a:avLst/>
+          </a:prstGeom>
+        </p:spPr>
+        <p:txBody>
+          <a:bodyPr anchor="t" rtlCol="false" tIns="0" lIns="0" bIns="0" rIns="0">
+            <a:spAutoFit/>
+          </a:bodyPr>
+          <a:lstStyle/>
+          <a:p>
+            <a:pPr algn="ctr">
+              <a:lnSpc>
+                <a:spcPts val="7279"/>
+              </a:lnSpc>
+            </a:pPr>
+            <a:r>
+              <a:rPr lang="en-US" sz="5199">
+                <a:solidFill>
+                  <a:srgbClr val="000000"/>
+                </a:solidFill>
+                <a:latin typeface="Open Sans Bold"/>
+              </a:rPr>
+              <a:t>Referensi:</a:t>
+            </a:r>
+          </a:p>
+        </p:txBody>
+      </p:sp>
+      <p:sp>
+        <p:nvSpPr>
+          <p:cNvPr name="TextBox 3" id="3"/>
+          <p:cNvSpPr txBox="true"/>
+          <p:nvPr/>
+        </p:nvSpPr>
+        <p:spPr>
+          <a:xfrm rot="0">
+            <a:off x="735636" y="1420598"/>
+            <a:ext cx="17552364" cy="3580467"/>
+          </a:xfrm>
+          <a:prstGeom prst="rect">
+            <a:avLst/>
+          </a:prstGeom>
+        </p:spPr>
+        <p:txBody>
+          <a:bodyPr anchor="t" rtlCol="false" tIns="0" lIns="0" bIns="0" rIns="0">
+            <a:spAutoFit/>
+          </a:bodyPr>
+          <a:lstStyle/>
+          <a:p>
+            <a:pPr>
+              <a:lnSpc>
+                <a:spcPts val="4759"/>
+              </a:lnSpc>
+            </a:pPr>
+            <a:r>
+              <a:rPr lang="en-US" sz="3399">
+                <a:solidFill>
+                  <a:srgbClr val="000000"/>
+                </a:solidFill>
+                <a:latin typeface="Open Sans"/>
+              </a:rPr>
+              <a:t>https://realpython.com/python-testing/ </a:t>
+            </a:r>
+          </a:p>
+          <a:p>
+            <a:pPr>
+              <a:lnSpc>
+                <a:spcPts val="4759"/>
+              </a:lnSpc>
+            </a:pPr>
+          </a:p>
+          <a:p>
+            <a:pPr>
+              <a:lnSpc>
+                <a:spcPts val="4759"/>
+              </a:lnSpc>
+            </a:pPr>
+            <a:r>
+              <a:rPr lang="en-US" sz="3399">
+                <a:solidFill>
+                  <a:srgbClr val="000000"/>
+                </a:solidFill>
+                <a:latin typeface="Open Sans"/>
+              </a:rPr>
+              <a:t>https://towardsdatascience.com/ci-cd-by-example-in-python-46f1533cb09d#:~:text=A%20simple%20demonstration%20of%20CI%2FCD%20in%20Python,poetry%20and%20pre%2Dcommit%20hooks&amp;text=We'll%20cover%20static%20analysis,the%20development%20process%20as%20possible.</a:t>
             </a:r>
           </a:p>
         </p:txBody>
